--- a/chinese/彩虹.pptx
+++ b/chinese/彩虹.pptx
@@ -7,10 +7,10 @@
   <p:sldIdLst>
     <p:sldId id="257" r:id="rId2"/>
     <p:sldId id="265" r:id="rId3"/>
-    <p:sldId id="263" r:id="rId4"/>
-    <p:sldId id="262" r:id="rId5"/>
-    <p:sldId id="259" r:id="rId6"/>
-    <p:sldId id="266" r:id="rId7"/>
+    <p:sldId id="266" r:id="rId4"/>
+    <p:sldId id="263" r:id="rId5"/>
+    <p:sldId id="262" r:id="rId6"/>
+    <p:sldId id="259" r:id="rId7"/>
     <p:sldId id="260" r:id="rId8"/>
     <p:sldId id="261" r:id="rId9"/>
   </p:sldIdLst>
@@ -113,7 +113,7 @@
   </p:defaultTextStyle>
   <p:extLst>
     <p:ext uri="{EFAFB233-063F-42B5-8137-9DF3F51BA10A}">
-      <p15:sldGuideLst xmlns:p15="http://schemas.microsoft.com/office/powerpoint/2012/main" xmlns=""/>
+      <p15:sldGuideLst xmlns="" xmlns:p15="http://schemas.microsoft.com/office/powerpoint/2012/main"/>
     </p:ext>
   </p:extLst>
 </p:presentation>
@@ -251,7 +251,7 @@
             <a:fld id="{2CEE3B21-EED4-4793-BD37-39EF527464E9}" type="datetimeFigureOut">
               <a:rPr lang="en-US" smtClean="0"/>
               <a:pPr/>
-              <a:t>11/4/2019</a:t>
+              <a:t>11/18/2019</a:t>
             </a:fld>
             <a:endParaRPr lang="en-US"/>
           </a:p>
@@ -303,7 +303,7 @@
     </p:spTree>
     <p:extLst>
       <p:ext uri="{BB962C8B-B14F-4D97-AF65-F5344CB8AC3E}">
-        <p14:creationId xmlns:p14="http://schemas.microsoft.com/office/powerpoint/2010/main" xmlns="" val="3854739040"/>
+        <p14:creationId xmlns="" xmlns:p14="http://schemas.microsoft.com/office/powerpoint/2010/main" val="3854739040"/>
       </p:ext>
     </p:extLst>
   </p:cSld>
@@ -423,7 +423,7 @@
             <a:fld id="{2CEE3B21-EED4-4793-BD37-39EF527464E9}" type="datetimeFigureOut">
               <a:rPr lang="en-US" smtClean="0"/>
               <a:pPr/>
-              <a:t>11/4/2019</a:t>
+              <a:t>11/18/2019</a:t>
             </a:fld>
             <a:endParaRPr lang="en-US"/>
           </a:p>
@@ -475,7 +475,7 @@
     </p:spTree>
     <p:extLst>
       <p:ext uri="{BB962C8B-B14F-4D97-AF65-F5344CB8AC3E}">
-        <p14:creationId xmlns:p14="http://schemas.microsoft.com/office/powerpoint/2010/main" xmlns="" val="2524931107"/>
+        <p14:creationId xmlns="" xmlns:p14="http://schemas.microsoft.com/office/powerpoint/2010/main" val="2524931107"/>
       </p:ext>
     </p:extLst>
   </p:cSld>
@@ -605,7 +605,7 @@
             <a:fld id="{2CEE3B21-EED4-4793-BD37-39EF527464E9}" type="datetimeFigureOut">
               <a:rPr lang="en-US" smtClean="0"/>
               <a:pPr/>
-              <a:t>11/4/2019</a:t>
+              <a:t>11/18/2019</a:t>
             </a:fld>
             <a:endParaRPr lang="en-US"/>
           </a:p>
@@ -657,7 +657,7 @@
     </p:spTree>
     <p:extLst>
       <p:ext uri="{BB962C8B-B14F-4D97-AF65-F5344CB8AC3E}">
-        <p14:creationId xmlns:p14="http://schemas.microsoft.com/office/powerpoint/2010/main" xmlns="" val="1274763555"/>
+        <p14:creationId xmlns="" xmlns:p14="http://schemas.microsoft.com/office/powerpoint/2010/main" val="1274763555"/>
       </p:ext>
     </p:extLst>
   </p:cSld>
@@ -777,7 +777,7 @@
             <a:fld id="{2CEE3B21-EED4-4793-BD37-39EF527464E9}" type="datetimeFigureOut">
               <a:rPr lang="en-US" smtClean="0"/>
               <a:pPr/>
-              <a:t>11/4/2019</a:t>
+              <a:t>11/18/2019</a:t>
             </a:fld>
             <a:endParaRPr lang="en-US"/>
           </a:p>
@@ -829,7 +829,7 @@
     </p:spTree>
     <p:extLst>
       <p:ext uri="{BB962C8B-B14F-4D97-AF65-F5344CB8AC3E}">
-        <p14:creationId xmlns:p14="http://schemas.microsoft.com/office/powerpoint/2010/main" xmlns="" val="4242302055"/>
+        <p14:creationId xmlns="" xmlns:p14="http://schemas.microsoft.com/office/powerpoint/2010/main" val="4242302055"/>
       </p:ext>
     </p:extLst>
   </p:cSld>
@@ -1025,7 +1025,7 @@
             <a:fld id="{2CEE3B21-EED4-4793-BD37-39EF527464E9}" type="datetimeFigureOut">
               <a:rPr lang="en-US" smtClean="0"/>
               <a:pPr/>
-              <a:t>11/4/2019</a:t>
+              <a:t>11/18/2019</a:t>
             </a:fld>
             <a:endParaRPr lang="en-US"/>
           </a:p>
@@ -1077,7 +1077,7 @@
     </p:spTree>
     <p:extLst>
       <p:ext uri="{BB962C8B-B14F-4D97-AF65-F5344CB8AC3E}">
-        <p14:creationId xmlns:p14="http://schemas.microsoft.com/office/powerpoint/2010/main" xmlns="" val="2437736320"/>
+        <p14:creationId xmlns="" xmlns:p14="http://schemas.microsoft.com/office/powerpoint/2010/main" val="2437736320"/>
       </p:ext>
     </p:extLst>
   </p:cSld>
@@ -1259,7 +1259,7 @@
             <a:fld id="{2CEE3B21-EED4-4793-BD37-39EF527464E9}" type="datetimeFigureOut">
               <a:rPr lang="en-US" smtClean="0"/>
               <a:pPr/>
-              <a:t>11/4/2019</a:t>
+              <a:t>11/18/2019</a:t>
             </a:fld>
             <a:endParaRPr lang="en-US"/>
           </a:p>
@@ -1311,7 +1311,7 @@
     </p:spTree>
     <p:extLst>
       <p:ext uri="{BB962C8B-B14F-4D97-AF65-F5344CB8AC3E}">
-        <p14:creationId xmlns:p14="http://schemas.microsoft.com/office/powerpoint/2010/main" xmlns="" val="1242225460"/>
+        <p14:creationId xmlns="" xmlns:p14="http://schemas.microsoft.com/office/powerpoint/2010/main" val="1242225460"/>
       </p:ext>
     </p:extLst>
   </p:cSld>
@@ -1628,7 +1628,7 @@
             <a:fld id="{2CEE3B21-EED4-4793-BD37-39EF527464E9}" type="datetimeFigureOut">
               <a:rPr lang="en-US" smtClean="0"/>
               <a:pPr/>
-              <a:t>11/4/2019</a:t>
+              <a:t>11/18/2019</a:t>
             </a:fld>
             <a:endParaRPr lang="en-US"/>
           </a:p>
@@ -1680,7 +1680,7 @@
     </p:spTree>
     <p:extLst>
       <p:ext uri="{BB962C8B-B14F-4D97-AF65-F5344CB8AC3E}">
-        <p14:creationId xmlns:p14="http://schemas.microsoft.com/office/powerpoint/2010/main" xmlns="" val="105381721"/>
+        <p14:creationId xmlns="" xmlns:p14="http://schemas.microsoft.com/office/powerpoint/2010/main" val="105381721"/>
       </p:ext>
     </p:extLst>
   </p:cSld>
@@ -1748,7 +1748,7 @@
             <a:fld id="{2CEE3B21-EED4-4793-BD37-39EF527464E9}" type="datetimeFigureOut">
               <a:rPr lang="en-US" smtClean="0"/>
               <a:pPr/>
-              <a:t>11/4/2019</a:t>
+              <a:t>11/18/2019</a:t>
             </a:fld>
             <a:endParaRPr lang="en-US"/>
           </a:p>
@@ -1800,7 +1800,7 @@
     </p:spTree>
     <p:extLst>
       <p:ext uri="{BB962C8B-B14F-4D97-AF65-F5344CB8AC3E}">
-        <p14:creationId xmlns:p14="http://schemas.microsoft.com/office/powerpoint/2010/main" xmlns="" val="2265372057"/>
+        <p14:creationId xmlns="" xmlns:p14="http://schemas.microsoft.com/office/powerpoint/2010/main" val="2265372057"/>
       </p:ext>
     </p:extLst>
   </p:cSld>
@@ -1845,7 +1845,7 @@
             <a:fld id="{2CEE3B21-EED4-4793-BD37-39EF527464E9}" type="datetimeFigureOut">
               <a:rPr lang="en-US" smtClean="0"/>
               <a:pPr/>
-              <a:t>11/4/2019</a:t>
+              <a:t>11/18/2019</a:t>
             </a:fld>
             <a:endParaRPr lang="en-US"/>
           </a:p>
@@ -1897,7 +1897,7 @@
     </p:spTree>
     <p:extLst>
       <p:ext uri="{BB962C8B-B14F-4D97-AF65-F5344CB8AC3E}">
-        <p14:creationId xmlns:p14="http://schemas.microsoft.com/office/powerpoint/2010/main" xmlns="" val="3603021338"/>
+        <p14:creationId xmlns="" xmlns:p14="http://schemas.microsoft.com/office/powerpoint/2010/main" val="3603021338"/>
       </p:ext>
     </p:extLst>
   </p:cSld>
@@ -2124,7 +2124,7 @@
             <a:fld id="{2CEE3B21-EED4-4793-BD37-39EF527464E9}" type="datetimeFigureOut">
               <a:rPr lang="en-US" smtClean="0"/>
               <a:pPr/>
-              <a:t>11/4/2019</a:t>
+              <a:t>11/18/2019</a:t>
             </a:fld>
             <a:endParaRPr lang="en-US"/>
           </a:p>
@@ -2176,7 +2176,7 @@
     </p:spTree>
     <p:extLst>
       <p:ext uri="{BB962C8B-B14F-4D97-AF65-F5344CB8AC3E}">
-        <p14:creationId xmlns:p14="http://schemas.microsoft.com/office/powerpoint/2010/main" xmlns="" val="3308108956"/>
+        <p14:creationId xmlns="" xmlns:p14="http://schemas.microsoft.com/office/powerpoint/2010/main" val="3308108956"/>
       </p:ext>
     </p:extLst>
   </p:cSld>
@@ -2379,7 +2379,7 @@
             <a:fld id="{2CEE3B21-EED4-4793-BD37-39EF527464E9}" type="datetimeFigureOut">
               <a:rPr lang="en-US" smtClean="0"/>
               <a:pPr/>
-              <a:t>11/4/2019</a:t>
+              <a:t>11/18/2019</a:t>
             </a:fld>
             <a:endParaRPr lang="en-US"/>
           </a:p>
@@ -2431,7 +2431,7 @@
     </p:spTree>
     <p:extLst>
       <p:ext uri="{BB962C8B-B14F-4D97-AF65-F5344CB8AC3E}">
-        <p14:creationId xmlns:p14="http://schemas.microsoft.com/office/powerpoint/2010/main" xmlns="" val="2667179579"/>
+        <p14:creationId xmlns="" xmlns:p14="http://schemas.microsoft.com/office/powerpoint/2010/main" val="2667179579"/>
       </p:ext>
     </p:extLst>
   </p:cSld>
@@ -2594,7 +2594,7 @@
             <a:fld id="{2CEE3B21-EED4-4793-BD37-39EF527464E9}" type="datetimeFigureOut">
               <a:rPr lang="en-US" smtClean="0"/>
               <a:pPr/>
-              <a:t>11/4/2019</a:t>
+              <a:t>11/18/2019</a:t>
             </a:fld>
             <a:endParaRPr lang="en-US"/>
           </a:p>
@@ -2682,7 +2682,7 @@
     </p:spTree>
     <p:extLst>
       <p:ext uri="{BB962C8B-B14F-4D97-AF65-F5344CB8AC3E}">
-        <p14:creationId xmlns:p14="http://schemas.microsoft.com/office/powerpoint/2010/main" xmlns="" val="3158111988"/>
+        <p14:creationId xmlns="" xmlns:p14="http://schemas.microsoft.com/office/powerpoint/2010/main" val="3158111988"/>
       </p:ext>
     </p:extLst>
   </p:cSld>
@@ -3033,7 +3033,7 @@
           <a:blip r:embed="rId2">
             <a:extLst>
               <a:ext uri="{28A0092B-C50C-407E-A947-70E740481C1C}">
-                <a14:useLocalDpi xmlns:a14="http://schemas.microsoft.com/office/drawing/2010/main" xmlns="" val="0"/>
+                <a14:useLocalDpi xmlns="" xmlns:a14="http://schemas.microsoft.com/office/drawing/2010/main" val="0"/>
               </a:ext>
             </a:extLst>
           </a:blip>
@@ -3143,7 +3143,7 @@
     </p:spTree>
     <p:extLst>
       <p:ext uri="{BB962C8B-B14F-4D97-AF65-F5344CB8AC3E}">
-        <p14:creationId xmlns:p14="http://schemas.microsoft.com/office/powerpoint/2010/main" xmlns="" val="2825775285"/>
+        <p14:creationId xmlns="" xmlns:p14="http://schemas.microsoft.com/office/powerpoint/2010/main" val="2825775285"/>
       </p:ext>
     </p:extLst>
   </p:cSld>
@@ -3210,7 +3210,7 @@
           <a:blip r:embed="rId2">
             <a:extLst>
               <a:ext uri="{28A0092B-C50C-407E-A947-70E740481C1C}">
-                <a14:useLocalDpi xmlns:a14="http://schemas.microsoft.com/office/drawing/2010/main" xmlns="" val="0"/>
+                <a14:useLocalDpi xmlns="" xmlns:a14="http://schemas.microsoft.com/office/drawing/2010/main" val="0"/>
               </a:ext>
             </a:extLst>
           </a:blip>
@@ -3537,11 +3537,7 @@
           <a:p>
             <a:r>
               <a:rPr lang="en-US" sz="2400" dirty="0" smtClean="0"/>
-              <a:t> </a:t>
-            </a:r>
-            <a:r>
-              <a:rPr lang="en-US" sz="2400" dirty="0" smtClean="0"/>
-              <a:t>  </a:t>
+              <a:t>   </a:t>
             </a:r>
             <a:r>
               <a:rPr lang="en-US" sz="2400" dirty="0" err="1" smtClean="0"/>
@@ -3562,7 +3558,7 @@
     </p:spTree>
     <p:extLst>
       <p:ext uri="{BB962C8B-B14F-4D97-AF65-F5344CB8AC3E}">
-        <p14:creationId xmlns:p14="http://schemas.microsoft.com/office/powerpoint/2010/main" xmlns="" val="347206122"/>
+        <p14:creationId xmlns="" xmlns:p14="http://schemas.microsoft.com/office/powerpoint/2010/main" val="347206122"/>
       </p:ext>
     </p:extLst>
   </p:cSld>
@@ -3615,76 +3611,297 @@
           </a:p>
         </p:txBody>
       </p:sp>
-      <p:sp>
-        <p:nvSpPr>
-          <p:cNvPr id="3" name="內容版面配置區 2"/>
-          <p:cNvSpPr>
-            <a:spLocks noGrp="1"/>
-          </p:cNvSpPr>
-          <p:nvPr>
-            <p:ph idx="1"/>
-          </p:nvPr>
-        </p:nvSpPr>
-        <p:spPr/>
-        <p:txBody>
-          <a:bodyPr/>
-          <a:lstStyle/>
-          <a:p>
-            <a:endParaRPr lang="en-US"/>
-          </a:p>
-        </p:txBody>
-      </p:sp>
       <p:pic>
         <p:nvPicPr>
-          <p:cNvPr id="1026" name="Picture 2" descr="Kết quả hình ảnh cho 红、橙、黄、绿、蓝、靛 、紫"/>
+          <p:cNvPr id="4" name="內容版面配置區 3"/>
           <p:cNvPicPr>
-            <a:picLocks noChangeAspect="1" noChangeArrowheads="1"/>
+            <a:picLocks noGrp="1" noChangeAspect="1"/>
           </p:cNvPicPr>
-          <p:nvPr/>
+          <p:nvPr>
+            <p:ph idx="1"/>
+          </p:nvPr>
         </p:nvPicPr>
         <p:blipFill>
           <a:blip r:embed="rId2">
             <a:extLst>
               <a:ext uri="{28A0092B-C50C-407E-A947-70E740481C1C}">
-                <a14:useLocalDpi xmlns:a14="http://schemas.microsoft.com/office/drawing/2010/main" xmlns="" val="0"/>
+                <a14:useLocalDpi xmlns="" xmlns:a14="http://schemas.microsoft.com/office/drawing/2010/main" val="0"/>
               </a:ext>
             </a:extLst>
           </a:blip>
-          <a:srcRect/>
           <a:stretch>
             <a:fillRect/>
           </a:stretch>
         </p:blipFill>
-        <p:spPr bwMode="auto">
+        <p:spPr>
           <a:xfrm>
-            <a:off x="3563814" y="1283937"/>
-            <a:ext cx="5064372" cy="4232542"/>
+            <a:off x="0" y="0"/>
+            <a:ext cx="12836107" cy="6858000"/>
+          </a:xfrm>
+        </p:spPr>
+      </p:pic>
+      <p:sp>
+        <p:nvSpPr>
+          <p:cNvPr id="9" name="文字方塊 8"/>
+          <p:cNvSpPr txBox="1"/>
+          <p:nvPr/>
+        </p:nvSpPr>
+        <p:spPr>
+          <a:xfrm>
+            <a:off x="3285698" y="1379229"/>
+            <a:ext cx="1711387" cy="1384995"/>
           </a:xfrm>
           <a:prstGeom prst="rect">
             <a:avLst/>
           </a:prstGeom>
           <a:noFill/>
-          <a:extLst>
-            <a:ext uri="{909E8E84-426E-40DD-AFC4-6F175D3DCCD1}">
-              <a14:hiddenFill xmlns:a14="http://schemas.microsoft.com/office/drawing/2010/main" xmlns="">
-                <a:solidFill>
-                  <a:srgbClr val="FFFFFF"/>
-                </a:solidFill>
-              </a14:hiddenFill>
-            </a:ext>
-          </a:extLst>
         </p:spPr>
-      </p:pic>
+        <p:txBody>
+          <a:bodyPr wrap="square" rtlCol="0">
+            <a:spAutoFit/>
+          </a:bodyPr>
+          <a:lstStyle/>
+          <a:p>
+            <a:r>
+              <a:rPr lang="zh-TW" altLang="en-US" sz="6000" b="1" dirty="0" smtClean="0"/>
+              <a:t>彎彎</a:t>
+            </a:r>
+            <a:endParaRPr lang="en-US" altLang="zh-TW" sz="6000" b="1" dirty="0" smtClean="0"/>
+          </a:p>
+          <a:p>
+            <a:r>
+              <a:rPr lang="en-US" sz="2400" dirty="0" smtClean="0"/>
+              <a:t>  </a:t>
+            </a:r>
+            <a:r>
+              <a:rPr lang="en-US" sz="2400" dirty="0" err="1" smtClean="0"/>
+              <a:t>wān</a:t>
+            </a:r>
+            <a:r>
+              <a:rPr lang="en-US" sz="2400" dirty="0" smtClean="0"/>
+              <a:t>   </a:t>
+            </a:r>
+            <a:r>
+              <a:rPr lang="en-US" sz="2400" dirty="0" err="1" smtClean="0"/>
+              <a:t>wān</a:t>
+            </a:r>
+            <a:endParaRPr lang="en-US" sz="2400" dirty="0" smtClean="0"/>
+          </a:p>
+        </p:txBody>
+      </p:sp>
+      <p:sp>
+        <p:nvSpPr>
+          <p:cNvPr id="10" name="文字方塊 9"/>
+          <p:cNvSpPr txBox="1"/>
+          <p:nvPr/>
+        </p:nvSpPr>
+        <p:spPr>
+          <a:xfrm>
+            <a:off x="5314347" y="1363314"/>
+            <a:ext cx="1735347" cy="1384995"/>
+          </a:xfrm>
+          <a:prstGeom prst="rect">
+            <a:avLst/>
+          </a:prstGeom>
+          <a:noFill/>
+        </p:spPr>
+        <p:txBody>
+          <a:bodyPr wrap="square" rtlCol="0">
+            <a:spAutoFit/>
+          </a:bodyPr>
+          <a:lstStyle/>
+          <a:p>
+            <a:r>
+              <a:rPr lang="zh-TW" altLang="en-US" sz="6000" b="1" dirty="0" smtClean="0"/>
+              <a:t>告訴</a:t>
+            </a:r>
+            <a:endParaRPr lang="en-US" altLang="zh-TW" sz="6000" b="1" dirty="0" smtClean="0"/>
+          </a:p>
+          <a:p>
+            <a:r>
+              <a:rPr lang="en-US" sz="2400" dirty="0" smtClean="0"/>
+              <a:t>  </a:t>
+            </a:r>
+            <a:r>
+              <a:rPr lang="en-US" sz="2400" dirty="0" err="1" smtClean="0"/>
+              <a:t>gào</a:t>
+            </a:r>
+            <a:r>
+              <a:rPr lang="en-US" sz="2400" dirty="0" smtClean="0"/>
+              <a:t>      </a:t>
+            </a:r>
+            <a:r>
+              <a:rPr lang="en-US" sz="2400" dirty="0" err="1" smtClean="0"/>
+              <a:t>sù</a:t>
+            </a:r>
+            <a:endParaRPr lang="en-US" altLang="zh-CN" sz="2400" b="1" dirty="0" smtClean="0"/>
+          </a:p>
+        </p:txBody>
+      </p:sp>
+      <p:sp>
+        <p:nvSpPr>
+          <p:cNvPr id="11" name="文字方塊 10"/>
+          <p:cNvSpPr txBox="1"/>
+          <p:nvPr/>
+        </p:nvSpPr>
+        <p:spPr>
+          <a:xfrm>
+            <a:off x="7278295" y="1363315"/>
+            <a:ext cx="1794295" cy="1384995"/>
+          </a:xfrm>
+          <a:prstGeom prst="rect">
+            <a:avLst/>
+          </a:prstGeom>
+          <a:noFill/>
+        </p:spPr>
+        <p:txBody>
+          <a:bodyPr wrap="square" rtlCol="0">
+            <a:spAutoFit/>
+          </a:bodyPr>
+          <a:lstStyle/>
+          <a:p>
+            <a:r>
+              <a:rPr lang="zh-TW" altLang="en-US" sz="6000" b="1" dirty="0" smtClean="0"/>
+              <a:t>幫助</a:t>
+            </a:r>
+            <a:endParaRPr lang="en-US" altLang="zh-TW" sz="6000" b="1" dirty="0" smtClean="0"/>
+          </a:p>
+          <a:p>
+            <a:r>
+              <a:rPr lang="en-US" sz="2400" dirty="0" smtClean="0"/>
+              <a:t> </a:t>
+            </a:r>
+            <a:r>
+              <a:rPr lang="en-US" sz="2400" dirty="0" err="1" smtClean="0"/>
+              <a:t>bāng</a:t>
+            </a:r>
+            <a:r>
+              <a:rPr lang="en-US" sz="2400" dirty="0" smtClean="0"/>
+              <a:t>   </a:t>
+            </a:r>
+            <a:r>
+              <a:rPr lang="en-US" sz="2400" dirty="0" err="1" smtClean="0"/>
+              <a:t>zhù</a:t>
+            </a:r>
+            <a:endParaRPr lang="en-US" sz="2400" b="1" dirty="0" smtClean="0"/>
+          </a:p>
+        </p:txBody>
+      </p:sp>
+      <p:sp>
+        <p:nvSpPr>
+          <p:cNvPr id="12" name="文字方塊 11"/>
+          <p:cNvSpPr txBox="1"/>
+          <p:nvPr/>
+        </p:nvSpPr>
+        <p:spPr>
+          <a:xfrm>
+            <a:off x="3302958" y="2678751"/>
+            <a:ext cx="1789978" cy="1384995"/>
+          </a:xfrm>
+          <a:prstGeom prst="rect">
+            <a:avLst/>
+          </a:prstGeom>
+          <a:noFill/>
+        </p:spPr>
+        <p:txBody>
+          <a:bodyPr wrap="square" rtlCol="0">
+            <a:spAutoFit/>
+          </a:bodyPr>
+          <a:lstStyle/>
+          <a:p>
+            <a:r>
+              <a:rPr lang="zh-TW" altLang="en-US" sz="6000" b="1" dirty="0" smtClean="0"/>
+              <a:t>保護</a:t>
+            </a:r>
+            <a:endParaRPr lang="en-US" altLang="zh-TW" sz="6000" b="1" dirty="0" smtClean="0"/>
+          </a:p>
+          <a:p>
+            <a:r>
+              <a:rPr lang="en-US" sz="2400" dirty="0" smtClean="0"/>
+              <a:t>   </a:t>
+            </a:r>
+            <a:r>
+              <a:rPr lang="en-US" sz="2400" dirty="0" err="1" smtClean="0"/>
+              <a:t>bǎo</a:t>
+            </a:r>
+            <a:r>
+              <a:rPr lang="en-US" sz="2400" dirty="0" smtClean="0"/>
+              <a:t>    </a:t>
+            </a:r>
+            <a:r>
+              <a:rPr lang="en-US" sz="2400" dirty="0" err="1" smtClean="0"/>
+              <a:t>hù</a:t>
+            </a:r>
+            <a:endParaRPr lang="en-US" altLang="zh-CN" sz="2400" b="1" dirty="0" smtClean="0"/>
+          </a:p>
+        </p:txBody>
+      </p:sp>
+      <p:sp>
+        <p:nvSpPr>
+          <p:cNvPr id="13" name="文字方塊 12"/>
+          <p:cNvSpPr txBox="1"/>
+          <p:nvPr/>
+        </p:nvSpPr>
+        <p:spPr>
+          <a:xfrm>
+            <a:off x="5284155" y="2646924"/>
+            <a:ext cx="1789979" cy="1384995"/>
+          </a:xfrm>
+          <a:prstGeom prst="rect">
+            <a:avLst/>
+          </a:prstGeom>
+          <a:noFill/>
+        </p:spPr>
+        <p:txBody>
+          <a:bodyPr wrap="square" rtlCol="0">
+            <a:spAutoFit/>
+          </a:bodyPr>
+          <a:lstStyle/>
+          <a:p>
+            <a:r>
+              <a:rPr lang="zh-TW" altLang="en-US" sz="6000" b="1" dirty="0" smtClean="0"/>
+              <a:t>環繞</a:t>
+            </a:r>
+            <a:endParaRPr lang="en-US" altLang="zh-TW" sz="6000" b="1" dirty="0" smtClean="0"/>
+          </a:p>
+          <a:p>
+            <a:r>
+              <a:rPr lang="en-US" sz="2400" dirty="0" smtClean="0"/>
+              <a:t> </a:t>
+            </a:r>
+            <a:r>
+              <a:rPr lang="en-US" sz="2400" dirty="0" err="1" smtClean="0"/>
+              <a:t>huán</a:t>
+            </a:r>
+            <a:r>
+              <a:rPr lang="en-US" sz="2400" dirty="0" smtClean="0"/>
+              <a:t>    </a:t>
+            </a:r>
+            <a:r>
+              <a:rPr lang="en-US" sz="2400" dirty="0" err="1" smtClean="0"/>
+              <a:t>rào</a:t>
+            </a:r>
+            <a:endParaRPr lang="en-US" altLang="zh-CN" sz="2400" b="1" dirty="0" smtClean="0"/>
+          </a:p>
+        </p:txBody>
+      </p:sp>
     </p:spTree>
     <p:extLst>
       <p:ext uri="{BB962C8B-B14F-4D97-AF65-F5344CB8AC3E}">
-        <p14:creationId xmlns:p14="http://schemas.microsoft.com/office/powerpoint/2010/main" xmlns="" val="4267752851"/>
+        <p14:creationId xmlns="" xmlns:p14="http://schemas.microsoft.com/office/powerpoint/2010/main" val="3244758496"/>
       </p:ext>
     </p:extLst>
   </p:cSld>
   <p:clrMapOvr>
     <a:masterClrMapping/>
   </p:clrMapOvr>
+  <p:timing>
+    <p:tnLst>
+      <p:par>
+        <p:cTn id="1" dur="indefinite" restart="never" nodeType="tmRoot"/>
+      </p:par>
+    </p:tnLst>
+  </p:timing>
 </p:sld>
 </file>
 
@@ -3724,300 +3941,83 @@
           </a:p>
         </p:txBody>
       </p:sp>
+      <p:sp>
+        <p:nvSpPr>
+          <p:cNvPr id="3" name="內容版面配置區 2"/>
+          <p:cNvSpPr>
+            <a:spLocks noGrp="1"/>
+          </p:cNvSpPr>
+          <p:nvPr>
+            <p:ph idx="1"/>
+          </p:nvPr>
+        </p:nvSpPr>
+        <p:spPr/>
+        <p:txBody>
+          <a:bodyPr/>
+          <a:lstStyle/>
+          <a:p>
+            <a:endParaRPr lang="en-US"/>
+          </a:p>
+        </p:txBody>
+      </p:sp>
       <p:pic>
         <p:nvPicPr>
-          <p:cNvPr id="4" name="內容版面配置區 3"/>
+          <p:cNvPr id="1026" name="Picture 2" descr="Kết quả hình ảnh cho 红、橙、黄、绿、蓝、靛 、紫"/>
           <p:cNvPicPr>
-            <a:picLocks noGrp="1" noChangeAspect="1"/>
+            <a:picLocks noChangeAspect="1" noChangeArrowheads="1"/>
           </p:cNvPicPr>
-          <p:nvPr>
-            <p:ph idx="1"/>
-          </p:nvPr>
+          <p:nvPr/>
         </p:nvPicPr>
         <p:blipFill>
           <a:blip r:embed="rId2">
             <a:extLst>
               <a:ext uri="{28A0092B-C50C-407E-A947-70E740481C1C}">
-                <a14:useLocalDpi xmlns:a14="http://schemas.microsoft.com/office/drawing/2010/main" xmlns="" val="0"/>
+                <a14:useLocalDpi xmlns="" xmlns:a14="http://schemas.microsoft.com/office/drawing/2010/main" val="0"/>
               </a:ext>
             </a:extLst>
           </a:blip>
+          <a:srcRect/>
           <a:stretch>
             <a:fillRect/>
           </a:stretch>
         </p:blipFill>
-        <p:spPr>
+        <p:spPr bwMode="auto">
           <a:xfrm>
-            <a:off x="0" y="0"/>
-            <a:ext cx="12836107" cy="6858000"/>
-          </a:xfrm>
-        </p:spPr>
-      </p:pic>
-      <p:sp>
-        <p:nvSpPr>
-          <p:cNvPr id="5" name="文字方塊 4"/>
-          <p:cNvSpPr txBox="1"/>
-          <p:nvPr/>
-        </p:nvSpPr>
-        <p:spPr>
-          <a:xfrm>
-            <a:off x="3003430" y="1781354"/>
-            <a:ext cx="9644332" cy="2492990"/>
+            <a:off x="3563814" y="1283937"/>
+            <a:ext cx="5064372" cy="4232542"/>
           </a:xfrm>
           <a:prstGeom prst="rect">
             <a:avLst/>
           </a:prstGeom>
           <a:noFill/>
+          <a:extLst>
+            <a:ext uri="{909E8E84-426E-40DD-AFC4-6F175D3DCCD1}">
+              <a14:hiddenFill xmlns="" xmlns:a14="http://schemas.microsoft.com/office/drawing/2010/main">
+                <a:solidFill>
+                  <a:srgbClr val="FFFFFF"/>
+                </a:solidFill>
+              </a14:hiddenFill>
+            </a:ext>
+          </a:extLst>
         </p:spPr>
-        <p:txBody>
-          <a:bodyPr wrap="square" rtlCol="0">
-            <a:spAutoFit/>
-          </a:bodyPr>
-          <a:lstStyle/>
-          <a:p>
-            <a:r>
-              <a:rPr lang="zh-TW" altLang="en-US" sz="4800" b="1" dirty="0" smtClean="0"/>
-              <a:t>紅橙黃綠藍靛紫  是你微笑的樣子</a:t>
-            </a:r>
-            <a:endParaRPr lang="en-US" altLang="zh-TW" sz="4800" b="1" dirty="0" smtClean="0"/>
-          </a:p>
-          <a:p>
-            <a:r>
-              <a:rPr lang="en-US" sz="2800" dirty="0" err="1" smtClean="0"/>
-              <a:t>Hóng</a:t>
-            </a:r>
-            <a:r>
-              <a:rPr lang="en-US" sz="2800" dirty="0" smtClean="0"/>
-              <a:t> </a:t>
-            </a:r>
-            <a:r>
-              <a:rPr lang="en-US" sz="2800" dirty="0" err="1" smtClean="0"/>
-              <a:t>chéng</a:t>
-            </a:r>
-            <a:r>
-              <a:rPr lang="en-US" sz="2800" dirty="0" smtClean="0"/>
-              <a:t> </a:t>
-            </a:r>
-            <a:r>
-              <a:rPr lang="en-US" sz="2800" dirty="0" err="1" smtClean="0"/>
-              <a:t>huáng</a:t>
-            </a:r>
-            <a:r>
-              <a:rPr lang="en-US" sz="2800" dirty="0" smtClean="0"/>
-              <a:t> </a:t>
-            </a:r>
-            <a:r>
-              <a:rPr lang="en-US" sz="2800" dirty="0" err="1"/>
-              <a:t>lǜ</a:t>
-            </a:r>
-            <a:r>
-              <a:rPr lang="en-US" sz="2800" dirty="0"/>
-              <a:t> </a:t>
-            </a:r>
-            <a:r>
-              <a:rPr lang="en-US" sz="2800" dirty="0" err="1" smtClean="0"/>
-              <a:t>lán</a:t>
-            </a:r>
-            <a:r>
-              <a:rPr lang="en-US" sz="2800" dirty="0" smtClean="0"/>
-              <a:t> </a:t>
-            </a:r>
-            <a:r>
-              <a:rPr lang="en-US" sz="2800" dirty="0" err="1" smtClean="0"/>
-              <a:t>diàn</a:t>
-            </a:r>
-            <a:r>
-              <a:rPr lang="en-US" sz="2800" dirty="0" smtClean="0"/>
-              <a:t> </a:t>
-            </a:r>
-            <a:r>
-              <a:rPr lang="en-US" sz="2800" dirty="0" err="1" smtClean="0"/>
-              <a:t>zǐ</a:t>
-            </a:r>
-            <a:r>
-              <a:rPr lang="en-US" sz="2800" dirty="0" smtClean="0"/>
-              <a:t> </a:t>
-            </a:r>
-            <a:r>
-              <a:rPr lang="en-US" sz="2800" dirty="0" err="1" smtClean="0"/>
-              <a:t>shì</a:t>
-            </a:r>
-            <a:r>
-              <a:rPr lang="en-US" sz="2800" dirty="0" smtClean="0"/>
-              <a:t>   </a:t>
-            </a:r>
-            <a:r>
-              <a:rPr lang="en-US" sz="2800" dirty="0" err="1" smtClean="0"/>
-              <a:t>nǐ</a:t>
-            </a:r>
-            <a:r>
-              <a:rPr lang="en-US" sz="2800" dirty="0" smtClean="0"/>
-              <a:t>   </a:t>
-            </a:r>
-            <a:r>
-              <a:rPr lang="en-US" sz="2800" dirty="0" err="1"/>
-              <a:t>wēi</a:t>
-            </a:r>
-            <a:r>
-              <a:rPr lang="en-US" sz="2800" dirty="0" smtClean="0"/>
-              <a:t> </a:t>
-            </a:r>
-            <a:r>
-              <a:rPr lang="en-US" sz="2800" dirty="0" err="1" smtClean="0"/>
-              <a:t>xiào</a:t>
-            </a:r>
-            <a:r>
-              <a:rPr lang="en-US" sz="2800" dirty="0" smtClean="0"/>
-              <a:t> de  </a:t>
-            </a:r>
-            <a:r>
-              <a:rPr lang="en-US" sz="2800" dirty="0" err="1"/>
-              <a:t>yàng</a:t>
-            </a:r>
-            <a:r>
-              <a:rPr lang="en-US" sz="2800" dirty="0" smtClean="0"/>
-              <a:t> </a:t>
-            </a:r>
-            <a:r>
-              <a:rPr lang="en-US" sz="2800" dirty="0" err="1"/>
-              <a:t>zǐ</a:t>
-            </a:r>
-            <a:endParaRPr lang="en-US" sz="2800" dirty="0" smtClean="0"/>
-          </a:p>
-          <a:p>
-            <a:r>
-              <a:rPr lang="zh-TW" altLang="en-US" sz="4800" b="1" dirty="0" smtClean="0"/>
-              <a:t>告訴我  你是愛  愛的約定不更改</a:t>
-            </a:r>
-            <a:endParaRPr lang="en-US" altLang="zh-TW" sz="4800" b="1" dirty="0" smtClean="0"/>
-          </a:p>
-          <a:p>
-            <a:r>
-              <a:rPr lang="en-US" sz="2800" dirty="0" smtClean="0"/>
-              <a:t> </a:t>
-            </a:r>
-            <a:r>
-              <a:rPr lang="en-US" sz="2800" dirty="0" err="1" smtClean="0"/>
-              <a:t>gào</a:t>
-            </a:r>
-            <a:r>
-              <a:rPr lang="en-US" sz="2800" dirty="0" smtClean="0"/>
-              <a:t>  </a:t>
-            </a:r>
-            <a:r>
-              <a:rPr lang="en-US" sz="2800" dirty="0" err="1" smtClean="0"/>
-              <a:t>sù</a:t>
-            </a:r>
-            <a:r>
-              <a:rPr lang="en-US" sz="2800" dirty="0" smtClean="0"/>
-              <a:t>   </a:t>
-            </a:r>
-            <a:r>
-              <a:rPr lang="en-US" sz="2800" dirty="0" err="1" smtClean="0"/>
-              <a:t>wǒ</a:t>
-            </a:r>
-            <a:r>
-              <a:rPr lang="en-US" sz="2800" dirty="0" smtClean="0"/>
-              <a:t>      </a:t>
-            </a:r>
-            <a:r>
-              <a:rPr lang="en-US" sz="2800" dirty="0" err="1" smtClean="0"/>
-              <a:t>nǐ</a:t>
-            </a:r>
-            <a:r>
-              <a:rPr lang="en-US" sz="2800" dirty="0" smtClean="0"/>
-              <a:t>   </a:t>
-            </a:r>
-            <a:r>
-              <a:rPr lang="en-US" sz="2800" dirty="0" err="1" smtClean="0"/>
-              <a:t>shì</a:t>
-            </a:r>
-            <a:r>
-              <a:rPr lang="en-US" sz="2800" dirty="0" smtClean="0"/>
-              <a:t>    </a:t>
-            </a:r>
-            <a:r>
-              <a:rPr lang="en-US" sz="2800" dirty="0" err="1" smtClean="0"/>
-              <a:t>ài</a:t>
-            </a:r>
-            <a:r>
-              <a:rPr lang="en-US" sz="2800" dirty="0" smtClean="0"/>
-              <a:t>        </a:t>
-            </a:r>
-            <a:r>
-              <a:rPr lang="en-US" sz="2800" dirty="0" err="1"/>
-              <a:t>ài</a:t>
-            </a:r>
-            <a:r>
-              <a:rPr lang="en-US" sz="2800" dirty="0"/>
-              <a:t> </a:t>
-            </a:r>
-            <a:r>
-              <a:rPr lang="en-US" sz="2800" dirty="0" smtClean="0"/>
-              <a:t>  </a:t>
-            </a:r>
-            <a:r>
-              <a:rPr lang="en-US" sz="2800" dirty="0" err="1" smtClean="0"/>
-              <a:t>d</a:t>
-            </a:r>
-            <a:r>
-              <a:rPr lang="en-US" sz="2800" dirty="0" err="1"/>
-              <a:t>ē</a:t>
-            </a:r>
-            <a:r>
-              <a:rPr lang="en-US" sz="2800" dirty="0" smtClean="0"/>
-              <a:t>  </a:t>
-            </a:r>
-            <a:r>
-              <a:rPr lang="en-US" sz="2800" dirty="0" err="1" smtClean="0"/>
-              <a:t>yuē</a:t>
-            </a:r>
-            <a:r>
-              <a:rPr lang="en-US" sz="2800" dirty="0" smtClean="0"/>
-              <a:t>  </a:t>
-            </a:r>
-            <a:r>
-              <a:rPr lang="en-US" sz="2800" dirty="0" err="1" smtClean="0"/>
-              <a:t>dìng</a:t>
-            </a:r>
-            <a:r>
-              <a:rPr lang="en-US" sz="2800" dirty="0" smtClean="0"/>
-              <a:t> </a:t>
-            </a:r>
-            <a:r>
-              <a:rPr lang="en-US" sz="2800" dirty="0" err="1"/>
-              <a:t>bù</a:t>
-            </a:r>
-            <a:r>
-              <a:rPr lang="en-US" sz="2800" dirty="0"/>
-              <a:t> </a:t>
-            </a:r>
-            <a:r>
-              <a:rPr lang="en-US" sz="2800" dirty="0" err="1" smtClean="0"/>
-              <a:t>gēng</a:t>
-            </a:r>
-            <a:r>
-              <a:rPr lang="en-US" sz="2800" dirty="0" smtClean="0"/>
-              <a:t> </a:t>
-            </a:r>
-            <a:r>
-              <a:rPr lang="en-US" sz="2800" dirty="0" err="1" smtClean="0"/>
-              <a:t>gǎi</a:t>
-            </a:r>
-            <a:endParaRPr lang="en-US" sz="2800" b="1" dirty="0"/>
-          </a:p>
-        </p:txBody>
-      </p:sp>
+      </p:pic>
     </p:spTree>
     <p:extLst>
       <p:ext uri="{BB962C8B-B14F-4D97-AF65-F5344CB8AC3E}">
-        <p14:creationId xmlns:p14="http://schemas.microsoft.com/office/powerpoint/2010/main" xmlns="" val="1641246071"/>
+        <p14:creationId xmlns="" xmlns:p14="http://schemas.microsoft.com/office/powerpoint/2010/main" val="4267752851"/>
       </p:ext>
     </p:extLst>
   </p:cSld>
   <p:clrMapOvr>
     <a:masterClrMapping/>
   </p:clrMapOvr>
+  <p:timing>
+    <p:tnLst>
+      <p:par>
+        <p:cTn id="1" dur="indefinite" restart="never" nodeType="tmRoot"/>
+      </p:par>
+    </p:tnLst>
+  </p:timing>
 </p:sld>
 </file>
 
@@ -4071,7 +4071,7 @@
           <a:blip r:embed="rId2">
             <a:extLst>
               <a:ext uri="{28A0092B-C50C-407E-A947-70E740481C1C}">
-                <a14:useLocalDpi xmlns:a14="http://schemas.microsoft.com/office/drawing/2010/main" xmlns="" val="0"/>
+                <a14:useLocalDpi xmlns="" xmlns:a14="http://schemas.microsoft.com/office/drawing/2010/main" val="0"/>
               </a:ext>
             </a:extLst>
           </a:blip>
@@ -4095,7 +4095,7 @@
         <p:spPr>
           <a:xfrm>
             <a:off x="3003430" y="1781354"/>
-            <a:ext cx="9644332" cy="2431435"/>
+            <a:ext cx="9644332" cy="2492990"/>
           </a:xfrm>
           <a:prstGeom prst="rect">
             <a:avLst/>
@@ -4110,78 +4110,128 @@
           <a:p>
             <a:r>
               <a:rPr lang="zh-TW" altLang="en-US" sz="4800" b="1" dirty="0" smtClean="0"/>
-              <a:t>一二三四五六七  謝謝天父的應許</a:t>
+              <a:t>紅橙黃綠藍靛紫  是你微笑的樣子</a:t>
             </a:r>
             <a:endParaRPr lang="en-US" altLang="zh-TW" sz="4800" b="1" dirty="0" smtClean="0"/>
           </a:p>
           <a:p>
             <a:r>
-              <a:rPr lang="en-US" sz="2800" dirty="0" smtClean="0"/>
-              <a:t>  </a:t>
-            </a:r>
-            <a:r>
-              <a:rPr lang="en-US" sz="2800" dirty="0" err="1" smtClean="0"/>
-              <a:t>Yī</a:t>
-            </a:r>
-            <a:r>
-              <a:rPr lang="en-US" sz="2800" dirty="0" smtClean="0"/>
-              <a:t>    </a:t>
-            </a:r>
-            <a:r>
-              <a:rPr lang="en-US" sz="2800" dirty="0" err="1" smtClean="0"/>
-              <a:t>èr</a:t>
-            </a:r>
-            <a:r>
-              <a:rPr lang="en-US" sz="2800" dirty="0" smtClean="0"/>
-              <a:t>   </a:t>
-            </a:r>
-            <a:r>
-              <a:rPr lang="en-US" sz="2800" dirty="0" err="1" smtClean="0"/>
-              <a:t>sān</a:t>
-            </a:r>
-            <a:r>
-              <a:rPr lang="en-US" sz="2800" dirty="0" smtClean="0"/>
-              <a:t>   </a:t>
-            </a:r>
-            <a:r>
-              <a:rPr lang="en-US" sz="2800" dirty="0" err="1" smtClean="0"/>
-              <a:t>sì</a:t>
-            </a:r>
-            <a:r>
-              <a:rPr lang="en-US" sz="2800" dirty="0" smtClean="0"/>
-              <a:t>   </a:t>
-            </a:r>
-            <a:r>
-              <a:rPr lang="en-US" sz="2800" dirty="0" err="1" smtClean="0"/>
-              <a:t>wǔ</a:t>
-            </a:r>
-            <a:r>
-              <a:rPr lang="en-US" sz="2800" dirty="0" smtClean="0"/>
-              <a:t>   </a:t>
-            </a:r>
-            <a:r>
-              <a:rPr lang="en-US" sz="2800" dirty="0" err="1" smtClean="0"/>
-              <a:t>liù</a:t>
-            </a:r>
-            <a:r>
-              <a:rPr lang="en-US" sz="2800" dirty="0" smtClean="0"/>
-              <a:t>    </a:t>
-            </a:r>
-            <a:r>
-              <a:rPr lang="en-US" sz="2800" dirty="0" err="1" smtClean="0"/>
-              <a:t>qī</a:t>
+              <a:rPr lang="en-US" sz="2800" dirty="0" err="1" smtClean="0"/>
+              <a:t>Hóng</a:t>
+            </a:r>
+            <a:r>
+              <a:rPr lang="en-US" sz="2800" dirty="0" smtClean="0"/>
+              <a:t> </a:t>
+            </a:r>
+            <a:r>
+              <a:rPr lang="en-US" sz="2800" dirty="0" err="1" smtClean="0"/>
+              <a:t>chéng</a:t>
+            </a:r>
+            <a:r>
+              <a:rPr lang="en-US" sz="2800" dirty="0" smtClean="0"/>
+              <a:t> </a:t>
+            </a:r>
+            <a:r>
+              <a:rPr lang="en-US" sz="2800" dirty="0" err="1" smtClean="0"/>
+              <a:t>huáng</a:t>
+            </a:r>
+            <a:r>
+              <a:rPr lang="en-US" sz="2800" dirty="0" smtClean="0"/>
+              <a:t> </a:t>
+            </a:r>
+            <a:r>
+              <a:rPr lang="en-US" sz="2800" dirty="0" err="1"/>
+              <a:t>lǜ</a:t>
             </a:r>
             <a:r>
               <a:rPr lang="en-US" sz="2800" dirty="0"/>
               <a:t> </a:t>
             </a:r>
             <a:r>
-              <a:rPr lang="en-US" sz="2800" dirty="0" smtClean="0"/>
-              <a:t>     </a:t>
-            </a:r>
-            <a:r>
-              <a:rPr lang="en-US" sz="2800" dirty="0" err="1" smtClean="0"/>
-              <a:t>xiè</a:t>
+              <a:rPr lang="en-US" sz="2800" dirty="0" err="1" smtClean="0"/>
+              <a:t>lán</a:t>
+            </a:r>
+            <a:r>
+              <a:rPr lang="en-US" sz="2800" dirty="0" smtClean="0"/>
+              <a:t> </a:t>
+            </a:r>
+            <a:r>
+              <a:rPr lang="en-US" sz="2800" dirty="0" err="1" smtClean="0"/>
+              <a:t>diàn</a:t>
+            </a:r>
+            <a:r>
+              <a:rPr lang="en-US" sz="2800" dirty="0" smtClean="0"/>
+              <a:t> </a:t>
+            </a:r>
+            <a:r>
+              <a:rPr lang="en-US" sz="2800" dirty="0" err="1" smtClean="0"/>
+              <a:t>zǐ</a:t>
+            </a:r>
+            <a:r>
+              <a:rPr lang="en-US" sz="2800" dirty="0" smtClean="0"/>
+              <a:t> </a:t>
+            </a:r>
+            <a:r>
+              <a:rPr lang="en-US" sz="2800" dirty="0" err="1" smtClean="0"/>
+              <a:t>shì</a:t>
+            </a:r>
+            <a:r>
+              <a:rPr lang="en-US" sz="2800" dirty="0" smtClean="0"/>
+              <a:t>   </a:t>
+            </a:r>
+            <a:r>
+              <a:rPr lang="en-US" sz="2800" dirty="0" err="1" smtClean="0"/>
+              <a:t>nǐ</a:t>
+            </a:r>
+            <a:r>
+              <a:rPr lang="en-US" sz="2800" dirty="0" smtClean="0"/>
+              <a:t>   </a:t>
+            </a:r>
+            <a:r>
+              <a:rPr lang="en-US" sz="2800" dirty="0" err="1"/>
+              <a:t>wēi</a:t>
+            </a:r>
+            <a:r>
+              <a:rPr lang="en-US" sz="2800" dirty="0" smtClean="0"/>
+              <a:t> </a:t>
+            </a:r>
+            <a:r>
+              <a:rPr lang="en-US" sz="2800" dirty="0" err="1" smtClean="0"/>
+              <a:t>xiào</a:t>
+            </a:r>
+            <a:r>
+              <a:rPr lang="en-US" sz="2800" dirty="0" smtClean="0"/>
+              <a:t> de  </a:t>
+            </a:r>
+            <a:r>
+              <a:rPr lang="en-US" sz="2800" dirty="0" err="1"/>
+              <a:t>yàng</a:t>
+            </a:r>
+            <a:r>
+              <a:rPr lang="en-US" sz="2800" dirty="0" smtClean="0"/>
+              <a:t> </a:t>
+            </a:r>
+            <a:r>
+              <a:rPr lang="en-US" sz="2800" dirty="0" err="1"/>
+              <a:t>zǐ</a:t>
+            </a:r>
+            <a:endParaRPr lang="en-US" sz="2800" dirty="0" smtClean="0"/>
+          </a:p>
+          <a:p>
+            <a:r>
+              <a:rPr lang="zh-TW" altLang="en-US" sz="4800" b="1" dirty="0" smtClean="0"/>
+              <a:t>告訴我  你是愛  愛的約定不更改</a:t>
+            </a:r>
+            <a:endParaRPr lang="en-US" altLang="zh-TW" sz="4800" b="1" dirty="0" smtClean="0"/>
+          </a:p>
+          <a:p>
+            <a:r>
+              <a:rPr lang="en-US" sz="2800" dirty="0" smtClean="0"/>
+              <a:t> </a:t>
+            </a:r>
+            <a:r>
+              <a:rPr lang="en-US" sz="2800" dirty="0" err="1" smtClean="0"/>
+              <a:t>gào</a:t>
             </a:r>
             <a:r>
               <a:rPr lang="en-US" sz="2800" dirty="0" smtClean="0"/>
@@ -4189,7 +4239,7 @@
             </a:r>
             <a:r>
               <a:rPr lang="en-US" sz="2800" dirty="0" err="1" smtClean="0"/>
-              <a:t>xiè</a:t>
+              <a:t>sù</a:t>
             </a:r>
             <a:r>
               <a:rPr lang="en-US" sz="2800" dirty="0" smtClean="0"/>
@@ -4197,19 +4247,47 @@
             </a:r>
             <a:r>
               <a:rPr lang="en-US" sz="2800" dirty="0" err="1" smtClean="0"/>
-              <a:t>tiān</a:t>
+              <a:t>wǒ</a:t>
+            </a:r>
+            <a:r>
+              <a:rPr lang="en-US" sz="2800" dirty="0" smtClean="0"/>
+              <a:t>      </a:t>
+            </a:r>
+            <a:r>
+              <a:rPr lang="en-US" sz="2800" dirty="0" err="1" smtClean="0"/>
+              <a:t>nǐ</a:t>
+            </a:r>
+            <a:r>
+              <a:rPr lang="en-US" sz="2800" dirty="0" smtClean="0"/>
+              <a:t>   </a:t>
+            </a:r>
+            <a:r>
+              <a:rPr lang="en-US" sz="2800" dirty="0" err="1" smtClean="0"/>
+              <a:t>shì</a:t>
+            </a:r>
+            <a:r>
+              <a:rPr lang="en-US" sz="2800" dirty="0" smtClean="0"/>
+              <a:t>    </a:t>
+            </a:r>
+            <a:r>
+              <a:rPr lang="en-US" sz="2800" dirty="0" err="1" smtClean="0"/>
+              <a:t>ài</a:t>
+            </a:r>
+            <a:r>
+              <a:rPr lang="en-US" sz="2800" dirty="0" smtClean="0"/>
+              <a:t>        </a:t>
+            </a:r>
+            <a:r>
+              <a:rPr lang="en-US" sz="2800" dirty="0" err="1"/>
+              <a:t>ài</a:t>
+            </a:r>
+            <a:r>
+              <a:rPr lang="en-US" sz="2800" dirty="0"/>
+              <a:t> </a:t>
             </a:r>
             <a:r>
               <a:rPr lang="en-US" sz="2800" dirty="0" smtClean="0"/>
               <a:t>  </a:t>
-            </a:r>
-            <a:r>
-              <a:rPr lang="en-US" sz="2800" dirty="0" err="1" smtClean="0"/>
-              <a:t>fù</a:t>
-            </a:r>
-            <a:r>
-              <a:rPr lang="en-US" sz="2800" dirty="0" smtClean="0"/>
-              <a:t>   </a:t>
             </a:r>
             <a:r>
               <a:rPr lang="en-US" sz="2800" dirty="0" err="1" smtClean="0"/>
@@ -4225,121 +4303,39 @@
             </a:r>
             <a:r>
               <a:rPr lang="en-US" sz="2800" dirty="0" err="1" smtClean="0"/>
-              <a:t>yīng</a:t>
+              <a:t>yuē</a:t>
+            </a:r>
+            <a:r>
+              <a:rPr lang="en-US" sz="2800" dirty="0" smtClean="0"/>
+              <a:t>  </a:t>
+            </a:r>
+            <a:r>
+              <a:rPr lang="en-US" sz="2800" dirty="0" err="1" smtClean="0"/>
+              <a:t>dìng</a:t>
             </a:r>
             <a:r>
               <a:rPr lang="en-US" sz="2800" dirty="0" smtClean="0"/>
               <a:t> </a:t>
             </a:r>
             <a:r>
-              <a:rPr lang="en-US" sz="2800" dirty="0" err="1" smtClean="0"/>
-              <a:t>xǔ</a:t>
-            </a:r>
-            <a:endParaRPr lang="en-US" sz="2800" dirty="0" smtClean="0"/>
-          </a:p>
-          <a:p>
-            <a:r>
-              <a:rPr lang="zh-TW" altLang="en-US" sz="4800" b="1" dirty="0" smtClean="0"/>
-              <a:t>告訴我  你同在  恩典隨著我</a:t>
-            </a:r>
-            <a:endParaRPr lang="en-US" altLang="zh-TW" sz="4800" b="1" dirty="0" smtClean="0"/>
-          </a:p>
-          <a:p>
-            <a:r>
-              <a:rPr lang="en-US" sz="2800" dirty="0" smtClean="0"/>
-              <a:t> </a:t>
-            </a:r>
-            <a:r>
-              <a:rPr lang="en-US" sz="2800" dirty="0" err="1" smtClean="0"/>
-              <a:t>gào</a:t>
-            </a:r>
-            <a:r>
-              <a:rPr lang="en-US" sz="2800" dirty="0" smtClean="0"/>
-              <a:t>  </a:t>
-            </a:r>
-            <a:r>
-              <a:rPr lang="en-US" sz="2800" dirty="0" err="1" smtClean="0"/>
-              <a:t>sù</a:t>
-            </a:r>
-            <a:r>
-              <a:rPr lang="en-US" sz="2800" dirty="0" smtClean="0"/>
-              <a:t>   </a:t>
-            </a:r>
-            <a:r>
-              <a:rPr lang="en-US" sz="2800" dirty="0" err="1" smtClean="0"/>
-              <a:t>wǒ</a:t>
-            </a:r>
-            <a:r>
-              <a:rPr lang="en-US" sz="2800" dirty="0" smtClean="0"/>
-              <a:t>      </a:t>
-            </a:r>
-            <a:r>
               <a:rPr lang="en-US" sz="2800" dirty="0" err="1"/>
-              <a:t>nǐ</a:t>
+              <a:t>bù</a:t>
             </a:r>
             <a:r>
               <a:rPr lang="en-US" sz="2800" dirty="0"/>
               <a:t> </a:t>
             </a:r>
             <a:r>
+              <a:rPr lang="en-US" sz="2800" dirty="0" err="1" smtClean="0"/>
+              <a:t>gēng</a:t>
+            </a:r>
+            <a:r>
               <a:rPr lang="en-US" sz="2800" dirty="0" smtClean="0"/>
               <a:t> </a:t>
             </a:r>
             <a:r>
               <a:rPr lang="en-US" sz="2800" dirty="0" err="1" smtClean="0"/>
-              <a:t>tóng</a:t>
-            </a:r>
-            <a:r>
-              <a:rPr lang="en-US" sz="2800" dirty="0" smtClean="0"/>
-              <a:t> </a:t>
-            </a:r>
-            <a:r>
-              <a:rPr lang="en-US" sz="2800" dirty="0" err="1" smtClean="0"/>
-              <a:t>zài</a:t>
-            </a:r>
-            <a:r>
-              <a:rPr lang="en-US" sz="2800" dirty="0" smtClean="0"/>
-              <a:t>      </a:t>
-            </a:r>
-            <a:r>
-              <a:rPr lang="en-US" sz="2800" dirty="0" err="1" smtClean="0"/>
-              <a:t>ēn</a:t>
-            </a:r>
-            <a:r>
-              <a:rPr lang="en-US" sz="2800" dirty="0" smtClean="0"/>
-              <a:t>  </a:t>
-            </a:r>
-            <a:r>
-              <a:rPr lang="en-US" sz="2800" dirty="0" err="1" smtClean="0"/>
-              <a:t>diǎn</a:t>
-            </a:r>
-            <a:r>
-              <a:rPr lang="en-US" sz="2800" dirty="0" smtClean="0"/>
-              <a:t> </a:t>
-            </a:r>
-            <a:r>
-              <a:rPr lang="en-US" sz="2800" dirty="0" err="1" smtClean="0"/>
-              <a:t>suí</a:t>
-            </a:r>
-            <a:r>
-              <a:rPr lang="en-US" sz="2800" dirty="0" smtClean="0"/>
-              <a:t>  </a:t>
-            </a:r>
-            <a:r>
-              <a:rPr lang="en-US" sz="2800" dirty="0" err="1" smtClean="0"/>
-              <a:t>zh</a:t>
-            </a:r>
-            <a:r>
-              <a:rPr lang="en-US" sz="2800" dirty="0" err="1"/>
-              <a:t>ē</a:t>
-            </a:r>
-            <a:r>
-              <a:rPr lang="en-US" sz="2800" dirty="0" smtClean="0"/>
-              <a:t>   </a:t>
-            </a:r>
-            <a:r>
-              <a:rPr lang="en-US" sz="2800" dirty="0" err="1" smtClean="0"/>
-              <a:t>wǒ</a:t>
+              <a:t>gǎi</a:t>
             </a:r>
             <a:endParaRPr lang="en-US" sz="2800" b="1" dirty="0"/>
           </a:p>
@@ -4348,13 +4344,20 @@
     </p:spTree>
     <p:extLst>
       <p:ext uri="{BB962C8B-B14F-4D97-AF65-F5344CB8AC3E}">
-        <p14:creationId xmlns:p14="http://schemas.microsoft.com/office/powerpoint/2010/main" xmlns="" val="203097966"/>
+        <p14:creationId xmlns="" xmlns:p14="http://schemas.microsoft.com/office/powerpoint/2010/main" val="1641246071"/>
       </p:ext>
     </p:extLst>
   </p:cSld>
   <p:clrMapOvr>
     <a:masterClrMapping/>
   </p:clrMapOvr>
+  <p:timing>
+    <p:tnLst>
+      <p:par>
+        <p:cTn id="1" dur="indefinite" restart="never" nodeType="tmRoot"/>
+      </p:par>
+    </p:tnLst>
+  </p:timing>
 </p:sld>
 </file>
 
@@ -4408,7 +4411,7 @@
           <a:blip r:embed="rId2">
             <a:extLst>
               <a:ext uri="{28A0092B-C50C-407E-A947-70E740481C1C}">
-                <a14:useLocalDpi xmlns:a14="http://schemas.microsoft.com/office/drawing/2010/main" xmlns="" val="0"/>
+                <a14:useLocalDpi xmlns="" xmlns:a14="http://schemas.microsoft.com/office/drawing/2010/main" val="0"/>
               </a:ext>
             </a:extLst>
           </a:blip>
@@ -4425,14 +4428,14 @@
       </p:pic>
       <p:sp>
         <p:nvSpPr>
-          <p:cNvPr id="9" name="文字方塊 8"/>
+          <p:cNvPr id="5" name="文字方塊 4"/>
           <p:cNvSpPr txBox="1"/>
           <p:nvPr/>
         </p:nvSpPr>
         <p:spPr>
           <a:xfrm>
-            <a:off x="3285698" y="1379229"/>
-            <a:ext cx="1711387" cy="1384995"/>
+            <a:off x="3003430" y="1781354"/>
+            <a:ext cx="9644332" cy="2431435"/>
           </a:xfrm>
           <a:prstGeom prst="rect">
             <a:avLst/>
@@ -4446,238 +4449,259 @@
           <a:lstStyle/>
           <a:p>
             <a:r>
-              <a:rPr lang="zh-TW" altLang="en-US" sz="6000" b="1" dirty="0" smtClean="0"/>
-              <a:t>彎彎</a:t>
-            </a:r>
-            <a:endParaRPr lang="en-US" altLang="zh-TW" sz="6000" b="1" dirty="0" smtClean="0"/>
-          </a:p>
-          <a:p>
-            <a:r>
-              <a:rPr lang="en-US" sz="2400" dirty="0" smtClean="0"/>
+              <a:rPr lang="zh-TW" altLang="en-US" sz="4800" b="1" dirty="0" smtClean="0"/>
+              <a:t>一二三四五六七  謝謝天父的應許</a:t>
+            </a:r>
+            <a:endParaRPr lang="en-US" altLang="zh-TW" sz="4800" b="1" dirty="0" smtClean="0"/>
+          </a:p>
+          <a:p>
+            <a:r>
+              <a:rPr lang="en-US" sz="2800" dirty="0" smtClean="0"/>
               <a:t>  </a:t>
             </a:r>
             <a:r>
-              <a:rPr lang="en-US" sz="2400" dirty="0" err="1" smtClean="0"/>
-              <a:t>wān</a:t>
-            </a:r>
-            <a:r>
-              <a:rPr lang="en-US" sz="2400" dirty="0" smtClean="0"/>
+              <a:rPr lang="en-US" sz="2800" dirty="0" err="1" smtClean="0"/>
+              <a:t>Yī</a:t>
+            </a:r>
+            <a:r>
+              <a:rPr lang="en-US" sz="2800" dirty="0" smtClean="0"/>
+              <a:t>    </a:t>
+            </a:r>
+            <a:r>
+              <a:rPr lang="en-US" sz="2800" dirty="0" err="1" smtClean="0"/>
+              <a:t>èr</a:t>
+            </a:r>
+            <a:r>
+              <a:rPr lang="en-US" sz="2800" dirty="0" smtClean="0"/>
               <a:t>   </a:t>
             </a:r>
             <a:r>
-              <a:rPr lang="en-US" sz="2400" dirty="0" err="1" smtClean="0"/>
-              <a:t>wān</a:t>
-            </a:r>
-            <a:endParaRPr lang="en-US" sz="2400" dirty="0" smtClean="0"/>
-          </a:p>
-        </p:txBody>
-      </p:sp>
-      <p:sp>
-        <p:nvSpPr>
-          <p:cNvPr id="10" name="文字方塊 9"/>
-          <p:cNvSpPr txBox="1"/>
-          <p:nvPr/>
-        </p:nvSpPr>
-        <p:spPr>
-          <a:xfrm>
-            <a:off x="5314347" y="1363314"/>
-            <a:ext cx="1735347" cy="1384995"/>
-          </a:xfrm>
-          <a:prstGeom prst="rect">
-            <a:avLst/>
-          </a:prstGeom>
-          <a:noFill/>
-        </p:spPr>
-        <p:txBody>
-          <a:bodyPr wrap="square" rtlCol="0">
-            <a:spAutoFit/>
-          </a:bodyPr>
-          <a:lstStyle/>
-          <a:p>
-            <a:r>
-              <a:rPr lang="zh-TW" altLang="en-US" sz="6000" b="1" dirty="0" smtClean="0"/>
-              <a:t>告訴</a:t>
-            </a:r>
-            <a:endParaRPr lang="en-US" altLang="zh-TW" sz="6000" b="1" dirty="0" smtClean="0"/>
-          </a:p>
-          <a:p>
-            <a:r>
-              <a:rPr lang="en-US" sz="2400" dirty="0" smtClean="0"/>
+              <a:rPr lang="en-US" sz="2800" dirty="0" err="1" smtClean="0"/>
+              <a:t>sān</a:t>
+            </a:r>
+            <a:r>
+              <a:rPr lang="en-US" sz="2800" dirty="0" smtClean="0"/>
+              <a:t>   </a:t>
+            </a:r>
+            <a:r>
+              <a:rPr lang="en-US" sz="2800" dirty="0" err="1" smtClean="0"/>
+              <a:t>sì</a:t>
+            </a:r>
+            <a:r>
+              <a:rPr lang="en-US" sz="2800" dirty="0" smtClean="0"/>
+              <a:t>   </a:t>
+            </a:r>
+            <a:r>
+              <a:rPr lang="en-US" sz="2800" dirty="0" err="1" smtClean="0"/>
+              <a:t>wǔ</a:t>
+            </a:r>
+            <a:r>
+              <a:rPr lang="en-US" sz="2800" dirty="0" smtClean="0"/>
+              <a:t>   </a:t>
+            </a:r>
+            <a:r>
+              <a:rPr lang="en-US" sz="2800" dirty="0" err="1" smtClean="0"/>
+              <a:t>liù</a:t>
+            </a:r>
+            <a:r>
+              <a:rPr lang="en-US" sz="2800" dirty="0" smtClean="0"/>
+              <a:t>    </a:t>
+            </a:r>
+            <a:r>
+              <a:rPr lang="en-US" sz="2800" dirty="0" err="1" smtClean="0"/>
+              <a:t>qī</a:t>
+            </a:r>
+            <a:r>
+              <a:rPr lang="en-US" sz="2800" dirty="0"/>
+              <a:t> </a:t>
+            </a:r>
+            <a:r>
+              <a:rPr lang="en-US" sz="2800" dirty="0" smtClean="0"/>
+              <a:t>     </a:t>
+            </a:r>
+            <a:r>
+              <a:rPr lang="en-US" sz="2800" dirty="0" err="1" smtClean="0"/>
+              <a:t>xiè</a:t>
+            </a:r>
+            <a:r>
+              <a:rPr lang="en-US" sz="2800" dirty="0" smtClean="0"/>
               <a:t>  </a:t>
             </a:r>
             <a:r>
-              <a:rPr lang="en-US" sz="2400" dirty="0" err="1" smtClean="0"/>
+              <a:rPr lang="en-US" sz="2800" dirty="0" err="1" smtClean="0"/>
+              <a:t>xiè</a:t>
+            </a:r>
+            <a:r>
+              <a:rPr lang="en-US" sz="2800" dirty="0" smtClean="0"/>
+              <a:t>   </a:t>
+            </a:r>
+            <a:r>
+              <a:rPr lang="en-US" sz="2800" dirty="0" err="1" smtClean="0"/>
+              <a:t>tiān</a:t>
+            </a:r>
+            <a:r>
+              <a:rPr lang="en-US" sz="2800" dirty="0" smtClean="0"/>
+              <a:t>  </a:t>
+            </a:r>
+            <a:r>
+              <a:rPr lang="en-US" sz="2800" dirty="0" err="1" smtClean="0"/>
+              <a:t>fù</a:t>
+            </a:r>
+            <a:r>
+              <a:rPr lang="en-US" sz="2800" dirty="0" smtClean="0"/>
+              <a:t>   </a:t>
+            </a:r>
+            <a:r>
+              <a:rPr lang="en-US" sz="2800" dirty="0" err="1" smtClean="0"/>
+              <a:t>d</a:t>
+            </a:r>
+            <a:r>
+              <a:rPr lang="en-US" sz="2800" dirty="0" err="1"/>
+              <a:t>ē</a:t>
+            </a:r>
+            <a:r>
+              <a:rPr lang="en-US" sz="2800" dirty="0" smtClean="0"/>
+              <a:t>  </a:t>
+            </a:r>
+            <a:r>
+              <a:rPr lang="en-US" sz="2800" dirty="0" err="1" smtClean="0"/>
+              <a:t>yīng</a:t>
+            </a:r>
+            <a:r>
+              <a:rPr lang="en-US" sz="2800" dirty="0" smtClean="0"/>
+              <a:t> </a:t>
+            </a:r>
+            <a:r>
+              <a:rPr lang="en-US" sz="2800" dirty="0" err="1" smtClean="0"/>
+              <a:t>xǔ</a:t>
+            </a:r>
+            <a:endParaRPr lang="en-US" sz="2800" dirty="0" smtClean="0"/>
+          </a:p>
+          <a:p>
+            <a:r>
+              <a:rPr lang="zh-TW" altLang="en-US" sz="4800" b="1" dirty="0" smtClean="0"/>
+              <a:t>告訴我  你同在  恩典隨著我</a:t>
+            </a:r>
+            <a:endParaRPr lang="en-US" altLang="zh-TW" sz="4800" b="1" dirty="0" smtClean="0"/>
+          </a:p>
+          <a:p>
+            <a:r>
+              <a:rPr lang="en-US" sz="2800" dirty="0" smtClean="0"/>
+              <a:t> </a:t>
+            </a:r>
+            <a:r>
+              <a:rPr lang="en-US" sz="2800" dirty="0" err="1" smtClean="0"/>
               <a:t>gào</a:t>
             </a:r>
             <a:r>
-              <a:rPr lang="en-US" sz="2400" dirty="0" smtClean="0"/>
+              <a:rPr lang="en-US" sz="2800" dirty="0" smtClean="0"/>
+              <a:t>  </a:t>
+            </a:r>
+            <a:r>
+              <a:rPr lang="en-US" sz="2800" dirty="0" err="1" smtClean="0"/>
+              <a:t>sù</a:t>
+            </a:r>
+            <a:r>
+              <a:rPr lang="en-US" sz="2800" dirty="0" smtClean="0"/>
+              <a:t>   </a:t>
+            </a:r>
+            <a:r>
+              <a:rPr lang="en-US" sz="2800" dirty="0" err="1" smtClean="0"/>
+              <a:t>wǒ</a:t>
+            </a:r>
+            <a:r>
+              <a:rPr lang="en-US" sz="2800" dirty="0" smtClean="0"/>
               <a:t>      </a:t>
             </a:r>
             <a:r>
-              <a:rPr lang="en-US" sz="2400" dirty="0" err="1" smtClean="0"/>
-              <a:t>sù</a:t>
-            </a:r>
-            <a:endParaRPr lang="en-US" altLang="zh-CN" sz="2400" b="1" dirty="0" smtClean="0"/>
-          </a:p>
-        </p:txBody>
-      </p:sp>
-      <p:sp>
-        <p:nvSpPr>
-          <p:cNvPr id="11" name="文字方塊 10"/>
-          <p:cNvSpPr txBox="1"/>
-          <p:nvPr/>
-        </p:nvSpPr>
-        <p:spPr>
-          <a:xfrm>
-            <a:off x="7278295" y="1363315"/>
-            <a:ext cx="1794295" cy="1384995"/>
-          </a:xfrm>
-          <a:prstGeom prst="rect">
-            <a:avLst/>
-          </a:prstGeom>
-          <a:noFill/>
-        </p:spPr>
-        <p:txBody>
-          <a:bodyPr wrap="square" rtlCol="0">
-            <a:spAutoFit/>
-          </a:bodyPr>
-          <a:lstStyle/>
-          <a:p>
-            <a:r>
-              <a:rPr lang="zh-TW" altLang="en-US" sz="6000" b="1" dirty="0" smtClean="0"/>
-              <a:t>幫助</a:t>
-            </a:r>
-            <a:endParaRPr lang="en-US" altLang="zh-TW" sz="6000" b="1" dirty="0" smtClean="0"/>
-          </a:p>
-          <a:p>
-            <a:r>
-              <a:rPr lang="en-US" sz="2400" dirty="0" smtClean="0"/>
+              <a:rPr lang="en-US" sz="2800" dirty="0" err="1"/>
+              <a:t>nǐ</a:t>
+            </a:r>
+            <a:r>
+              <a:rPr lang="en-US" sz="2800" dirty="0"/>
               <a:t> </a:t>
             </a:r>
             <a:r>
-              <a:rPr lang="en-US" sz="2400" dirty="0" err="1" smtClean="0"/>
-              <a:t>bāng</a:t>
-            </a:r>
-            <a:r>
-              <a:rPr lang="en-US" sz="2400" dirty="0" smtClean="0"/>
+              <a:rPr lang="en-US" sz="2800" dirty="0" smtClean="0"/>
+              <a:t> </a:t>
+            </a:r>
+            <a:r>
+              <a:rPr lang="en-US" sz="2800" dirty="0" err="1" smtClean="0"/>
+              <a:t>tóng</a:t>
+            </a:r>
+            <a:r>
+              <a:rPr lang="en-US" sz="2800" dirty="0" smtClean="0"/>
+              <a:t> </a:t>
+            </a:r>
+            <a:r>
+              <a:rPr lang="en-US" sz="2800" dirty="0" err="1" smtClean="0"/>
+              <a:t>zài</a:t>
+            </a:r>
+            <a:r>
+              <a:rPr lang="en-US" sz="2800" dirty="0" smtClean="0"/>
+              <a:t>      </a:t>
+            </a:r>
+            <a:r>
+              <a:rPr lang="en-US" sz="2800" dirty="0" err="1" smtClean="0"/>
+              <a:t>ēn</a:t>
+            </a:r>
+            <a:r>
+              <a:rPr lang="en-US" sz="2800" dirty="0" smtClean="0"/>
+              <a:t>  </a:t>
+            </a:r>
+            <a:r>
+              <a:rPr lang="en-US" sz="2800" dirty="0" err="1" smtClean="0"/>
+              <a:t>diǎn</a:t>
+            </a:r>
+            <a:r>
+              <a:rPr lang="en-US" sz="2800" dirty="0" smtClean="0"/>
+              <a:t> </a:t>
+            </a:r>
+            <a:r>
+              <a:rPr lang="en-US" sz="2800" dirty="0" err="1" smtClean="0"/>
+              <a:t>suí</a:t>
+            </a:r>
+            <a:r>
+              <a:rPr lang="en-US" sz="2800" dirty="0" smtClean="0"/>
+              <a:t>  </a:t>
+            </a:r>
+            <a:r>
+              <a:rPr lang="en-US" sz="2800" dirty="0" err="1" smtClean="0"/>
+              <a:t>zh</a:t>
+            </a:r>
+            <a:r>
+              <a:rPr lang="en-US" sz="2800" dirty="0" err="1"/>
+              <a:t>ē</a:t>
+            </a:r>
+            <a:r>
+              <a:rPr lang="en-US" sz="2800" dirty="0" smtClean="0"/>
               <a:t>   </a:t>
             </a:r>
             <a:r>
-              <a:rPr lang="en-US" sz="2400" dirty="0" err="1" smtClean="0"/>
-              <a:t>zhù</a:t>
-            </a:r>
-            <a:endParaRPr lang="en-US" sz="2400" b="1" dirty="0" smtClean="0"/>
-          </a:p>
-        </p:txBody>
-      </p:sp>
-      <p:sp>
-        <p:nvSpPr>
-          <p:cNvPr id="12" name="文字方塊 11"/>
-          <p:cNvSpPr txBox="1"/>
-          <p:nvPr/>
-        </p:nvSpPr>
-        <p:spPr>
-          <a:xfrm>
-            <a:off x="3302958" y="2678751"/>
-            <a:ext cx="1789978" cy="1384995"/>
-          </a:xfrm>
-          <a:prstGeom prst="rect">
-            <a:avLst/>
-          </a:prstGeom>
-          <a:noFill/>
-        </p:spPr>
-        <p:txBody>
-          <a:bodyPr wrap="square" rtlCol="0">
-            <a:spAutoFit/>
-          </a:bodyPr>
-          <a:lstStyle/>
-          <a:p>
-            <a:r>
-              <a:rPr lang="zh-TW" altLang="en-US" sz="6000" b="1" dirty="0" smtClean="0"/>
-              <a:t>保護</a:t>
-            </a:r>
-            <a:endParaRPr lang="en-US" altLang="zh-TW" sz="6000" b="1" dirty="0" smtClean="0"/>
-          </a:p>
-          <a:p>
-            <a:r>
-              <a:rPr lang="en-US" sz="2400" dirty="0" smtClean="0"/>
-              <a:t>   </a:t>
-            </a:r>
-            <a:r>
-              <a:rPr lang="en-US" sz="2400" dirty="0" err="1" smtClean="0"/>
-              <a:t>bǎo</a:t>
-            </a:r>
-            <a:r>
-              <a:rPr lang="en-US" sz="2400" dirty="0" smtClean="0"/>
-              <a:t>    </a:t>
-            </a:r>
-            <a:r>
-              <a:rPr lang="en-US" sz="2400" dirty="0" err="1" smtClean="0"/>
-              <a:t>hù</a:t>
-            </a:r>
-            <a:endParaRPr lang="en-US" altLang="zh-CN" sz="2400" b="1" dirty="0" smtClean="0"/>
-          </a:p>
-        </p:txBody>
-      </p:sp>
-      <p:sp>
-        <p:nvSpPr>
-          <p:cNvPr id="13" name="文字方塊 12"/>
-          <p:cNvSpPr txBox="1"/>
-          <p:nvPr/>
-        </p:nvSpPr>
-        <p:spPr>
-          <a:xfrm>
-            <a:off x="5284155" y="2646924"/>
-            <a:ext cx="1789979" cy="1384995"/>
-          </a:xfrm>
-          <a:prstGeom prst="rect">
-            <a:avLst/>
-          </a:prstGeom>
-          <a:noFill/>
-        </p:spPr>
-        <p:txBody>
-          <a:bodyPr wrap="square" rtlCol="0">
-            <a:spAutoFit/>
-          </a:bodyPr>
-          <a:lstStyle/>
-          <a:p>
-            <a:r>
-              <a:rPr lang="zh-TW" altLang="en-US" sz="6000" b="1" dirty="0" smtClean="0"/>
-              <a:t>環繞</a:t>
-            </a:r>
-            <a:endParaRPr lang="en-US" altLang="zh-TW" sz="6000" b="1" dirty="0" smtClean="0"/>
-          </a:p>
-          <a:p>
-            <a:r>
-              <a:rPr lang="en-US" sz="2400" dirty="0" smtClean="0"/>
-              <a:t> </a:t>
-            </a:r>
-            <a:r>
-              <a:rPr lang="en-US" sz="2400" dirty="0" err="1" smtClean="0"/>
-              <a:t>huán</a:t>
-            </a:r>
-            <a:r>
-              <a:rPr lang="en-US" sz="2400" dirty="0" smtClean="0"/>
-              <a:t>    </a:t>
-            </a:r>
-            <a:r>
-              <a:rPr lang="en-US" sz="2400" dirty="0" err="1" smtClean="0"/>
-              <a:t>rào</a:t>
-            </a:r>
-            <a:endParaRPr lang="en-US" altLang="zh-CN" sz="2400" b="1" dirty="0" smtClean="0"/>
+              <a:rPr lang="en-US" sz="2800" dirty="0" err="1" smtClean="0"/>
+              <a:t>wǒ</a:t>
+            </a:r>
+            <a:endParaRPr lang="en-US" sz="2800" b="1" dirty="0"/>
           </a:p>
         </p:txBody>
       </p:sp>
     </p:spTree>
     <p:extLst>
       <p:ext uri="{BB962C8B-B14F-4D97-AF65-F5344CB8AC3E}">
-        <p14:creationId xmlns:p14="http://schemas.microsoft.com/office/powerpoint/2010/main" xmlns="" val="3244758496"/>
+        <p14:creationId xmlns="" xmlns:p14="http://schemas.microsoft.com/office/powerpoint/2010/main" val="203097966"/>
       </p:ext>
     </p:extLst>
   </p:cSld>
   <p:clrMapOvr>
     <a:masterClrMapping/>
   </p:clrMapOvr>
+  <p:timing>
+    <p:tnLst>
+      <p:par>
+        <p:cTn id="1" dur="indefinite" restart="never" nodeType="tmRoot"/>
+      </p:par>
+    </p:tnLst>
+  </p:timing>
 </p:sld>
 </file>
 
@@ -4731,7 +4755,7 @@
           <a:blip r:embed="rId2">
             <a:extLst>
               <a:ext uri="{28A0092B-C50C-407E-A947-70E740481C1C}">
-                <a14:useLocalDpi xmlns:a14="http://schemas.microsoft.com/office/drawing/2010/main" xmlns="" val="0"/>
+                <a14:useLocalDpi xmlns="" xmlns:a14="http://schemas.microsoft.com/office/drawing/2010/main" val="0"/>
               </a:ext>
             </a:extLst>
           </a:blip>
@@ -4996,13 +5020,20 @@
     </p:spTree>
     <p:extLst>
       <p:ext uri="{BB962C8B-B14F-4D97-AF65-F5344CB8AC3E}">
-        <p14:creationId xmlns:p14="http://schemas.microsoft.com/office/powerpoint/2010/main" xmlns="" val="956531378"/>
+        <p14:creationId xmlns="" xmlns:p14="http://schemas.microsoft.com/office/powerpoint/2010/main" val="956531378"/>
       </p:ext>
     </p:extLst>
   </p:cSld>
   <p:clrMapOvr>
     <a:masterClrMapping/>
   </p:clrMapOvr>
+  <p:timing>
+    <p:tnLst>
+      <p:par>
+        <p:cTn id="1" dur="indefinite" restart="never" nodeType="tmRoot"/>
+      </p:par>
+    </p:tnLst>
+  </p:timing>
 </p:sld>
 </file>
 
@@ -5056,7 +5087,7 @@
           <a:blip r:embed="rId2">
             <a:extLst>
               <a:ext uri="{28A0092B-C50C-407E-A947-70E740481C1C}">
-                <a14:useLocalDpi xmlns:a14="http://schemas.microsoft.com/office/drawing/2010/main" xmlns="" val="0"/>
+                <a14:useLocalDpi xmlns="" xmlns:a14="http://schemas.microsoft.com/office/drawing/2010/main" val="0"/>
               </a:ext>
             </a:extLst>
           </a:blip>
@@ -5292,13 +5323,20 @@
     </p:spTree>
     <p:extLst>
       <p:ext uri="{BB962C8B-B14F-4D97-AF65-F5344CB8AC3E}">
-        <p14:creationId xmlns:p14="http://schemas.microsoft.com/office/powerpoint/2010/main" xmlns="" val="250231932"/>
+        <p14:creationId xmlns="" xmlns:p14="http://schemas.microsoft.com/office/powerpoint/2010/main" val="250231932"/>
       </p:ext>
     </p:extLst>
   </p:cSld>
   <p:clrMapOvr>
     <a:masterClrMapping/>
   </p:clrMapOvr>
+  <p:timing>
+    <p:tnLst>
+      <p:par>
+        <p:cTn id="1" dur="indefinite" restart="never" nodeType="tmRoot"/>
+      </p:par>
+    </p:tnLst>
+  </p:timing>
 </p:sld>
 </file>
 
@@ -5557,7 +5595,7 @@
   <a:extraClrSchemeLst/>
   <a:extLst>
     <a:ext uri="{05A4C25C-085E-4340-85A3-A5531E510DB2}">
-      <thm15:themeFamily xmlns:thm15="http://schemas.microsoft.com/office/thememl/2012/main" xmlns="" name="Office Theme" id="{62F939B6-93AF-4DB8-9C6B-D6C7DFDC589F}" vid="{4A3C46E8-61CC-4603-A589-7422A47A8E4A}"/>
+      <thm15:themeFamily xmlns="" xmlns:thm15="http://schemas.microsoft.com/office/thememl/2012/main" name="Office Theme" id="{62F939B6-93AF-4DB8-9C6B-D6C7DFDC589F}" vid="{4A3C46E8-61CC-4603-A589-7422A47A8E4A}"/>
     </a:ext>
   </a:extLst>
 </a:theme>
